--- a/extra/Presentations/2014-08-18-AM_Ashley_Lecture4.pptx
+++ b/extra/Presentations/2014-08-18-AM_Ashley_Lecture4.pptx
@@ -5,7 +5,7 @@
     <p:sldMasterId id="2147483648" r:id="rId1"/>
   </p:sldMasterIdLst>
   <p:notesMasterIdLst>
-    <p:notesMasterId r:id="rId16"/>
+    <p:notesMasterId r:id="rId17"/>
   </p:notesMasterIdLst>
   <p:sldIdLst>
     <p:sldId id="257" r:id="rId2"/>
@@ -22,6 +22,7 @@
     <p:sldId id="269" r:id="rId13"/>
     <p:sldId id="271" r:id="rId14"/>
     <p:sldId id="265" r:id="rId15"/>
+    <p:sldId id="272" r:id="rId16"/>
   </p:sldIdLst>
   <p:sldSz cx="9144000" cy="6858000" type="screen4x3"/>
   <p:notesSz cx="6858000" cy="9144000"/>
@@ -205,7 +206,7 @@
           <a:p>
             <a:fld id="{80AC6C05-C927-F841-AD3B-4E731FF47F69}" type="datetimeFigureOut">
               <a:rPr lang="en-US" smtClean="0"/>
-              <a:t>8/17/14</a:t>
+              <a:t>8/18/14</a:t>
             </a:fld>
             <a:endParaRPr lang="en-US"/>
           </a:p>
@@ -840,7 +841,7 @@
           <a:p>
             <a:fld id="{C2DD2F7E-3ED4-4644-983D-703047F044BE}" type="datetimeFigureOut">
               <a:rPr lang="en-US" smtClean="0"/>
-              <a:t>8/17/14</a:t>
+              <a:t>8/18/14</a:t>
             </a:fld>
             <a:endParaRPr lang="en-US"/>
           </a:p>
@@ -1010,7 +1011,7 @@
           <a:p>
             <a:fld id="{C2DD2F7E-3ED4-4644-983D-703047F044BE}" type="datetimeFigureOut">
               <a:rPr lang="en-US" smtClean="0"/>
-              <a:t>8/17/14</a:t>
+              <a:t>8/18/14</a:t>
             </a:fld>
             <a:endParaRPr lang="en-US"/>
           </a:p>
@@ -1190,7 +1191,7 @@
           <a:p>
             <a:fld id="{C2DD2F7E-3ED4-4644-983D-703047F044BE}" type="datetimeFigureOut">
               <a:rPr lang="en-US" smtClean="0"/>
-              <a:t>8/17/14</a:t>
+              <a:t>8/18/14</a:t>
             </a:fld>
             <a:endParaRPr lang="en-US"/>
           </a:p>
@@ -1360,7 +1361,7 @@
           <a:p>
             <a:fld id="{C2DD2F7E-3ED4-4644-983D-703047F044BE}" type="datetimeFigureOut">
               <a:rPr lang="en-US" smtClean="0"/>
-              <a:t>8/17/14</a:t>
+              <a:t>8/18/14</a:t>
             </a:fld>
             <a:endParaRPr lang="en-US"/>
           </a:p>
@@ -1606,7 +1607,7 @@
           <a:p>
             <a:fld id="{C2DD2F7E-3ED4-4644-983D-703047F044BE}" type="datetimeFigureOut">
               <a:rPr lang="en-US" smtClean="0"/>
-              <a:t>8/17/14</a:t>
+              <a:t>8/18/14</a:t>
             </a:fld>
             <a:endParaRPr lang="en-US"/>
           </a:p>
@@ -1894,7 +1895,7 @@
           <a:p>
             <a:fld id="{C2DD2F7E-3ED4-4644-983D-703047F044BE}" type="datetimeFigureOut">
               <a:rPr lang="en-US" smtClean="0"/>
-              <a:t>8/17/14</a:t>
+              <a:t>8/18/14</a:t>
             </a:fld>
             <a:endParaRPr lang="en-US"/>
           </a:p>
@@ -2316,7 +2317,7 @@
           <a:p>
             <a:fld id="{C2DD2F7E-3ED4-4644-983D-703047F044BE}" type="datetimeFigureOut">
               <a:rPr lang="en-US" smtClean="0"/>
-              <a:t>8/17/14</a:t>
+              <a:t>8/18/14</a:t>
             </a:fld>
             <a:endParaRPr lang="en-US"/>
           </a:p>
@@ -2434,7 +2435,7 @@
           <a:p>
             <a:fld id="{C2DD2F7E-3ED4-4644-983D-703047F044BE}" type="datetimeFigureOut">
               <a:rPr lang="en-US" smtClean="0"/>
-              <a:t>8/17/14</a:t>
+              <a:t>8/18/14</a:t>
             </a:fld>
             <a:endParaRPr lang="en-US"/>
           </a:p>
@@ -2529,7 +2530,7 @@
           <a:p>
             <a:fld id="{C2DD2F7E-3ED4-4644-983D-703047F044BE}" type="datetimeFigureOut">
               <a:rPr lang="en-US" smtClean="0"/>
-              <a:t>8/17/14</a:t>
+              <a:t>8/18/14</a:t>
             </a:fld>
             <a:endParaRPr lang="en-US"/>
           </a:p>
@@ -2806,7 +2807,7 @@
           <a:p>
             <a:fld id="{C2DD2F7E-3ED4-4644-983D-703047F044BE}" type="datetimeFigureOut">
               <a:rPr lang="en-US" smtClean="0"/>
-              <a:t>8/17/14</a:t>
+              <a:t>8/18/14</a:t>
             </a:fld>
             <a:endParaRPr lang="en-US"/>
           </a:p>
@@ -3059,7 +3060,7 @@
           <a:p>
             <a:fld id="{C2DD2F7E-3ED4-4644-983D-703047F044BE}" type="datetimeFigureOut">
               <a:rPr lang="en-US" smtClean="0"/>
-              <a:t>8/17/14</a:t>
+              <a:t>8/18/14</a:t>
             </a:fld>
             <a:endParaRPr lang="en-US"/>
           </a:p>
@@ -3272,7 +3273,7 @@
           <a:p>
             <a:fld id="{C2DD2F7E-3ED4-4644-983D-703047F044BE}" type="datetimeFigureOut">
               <a:rPr lang="en-US" smtClean="0"/>
-              <a:t>8/17/14</a:t>
+              <a:t>8/18/14</a:t>
             </a:fld>
             <a:endParaRPr lang="en-US"/>
           </a:p>
@@ -8094,7 +8095,7 @@
         <p:nvSpPr>
           <p:cNvPr id="4099" name="Rectangle 3"/>
           <p:cNvSpPr>
-            <a:spLocks noChangeArrowheads="1"/>
+            <a:spLocks noGrp="1" noChangeArrowheads="1"/>
           </p:cNvSpPr>
           <p:nvPr>
             <p:ph type="body" idx="4294967295"/>
@@ -11601,6 +11602,181 @@
 </p:sld>
 </file>
 
+<file path=ppt/slides/slide15.xml><?xml version="1.0" encoding="utf-8"?>
+<p:sld xmlns:a="http://schemas.openxmlformats.org/drawingml/2006/main" xmlns:r="http://schemas.openxmlformats.org/officeDocument/2006/relationships" xmlns:p="http://schemas.openxmlformats.org/presentationml/2006/main">
+  <p:cSld>
+    <p:spTree>
+      <p:nvGrpSpPr>
+        <p:cNvPr id="1" name=""/>
+        <p:cNvGrpSpPr/>
+        <p:nvPr/>
+      </p:nvGrpSpPr>
+      <p:grpSpPr>
+        <a:xfrm>
+          <a:off x="0" y="0"/>
+          <a:ext cx="0" cy="0"/>
+          <a:chOff x="0" y="0"/>
+          <a:chExt cx="0" cy="0"/>
+        </a:xfrm>
+      </p:grpSpPr>
+      <p:sp>
+        <p:nvSpPr>
+          <p:cNvPr id="2" name="Title 1"/>
+          <p:cNvSpPr>
+            <a:spLocks noGrp="1"/>
+          </p:cNvSpPr>
+          <p:nvPr>
+            <p:ph type="title"/>
+          </p:nvPr>
+        </p:nvSpPr>
+        <p:spPr/>
+        <p:txBody>
+          <a:bodyPr>
+            <a:normAutofit/>
+          </a:bodyPr>
+          <a:lstStyle/>
+          <a:p>
+            <a:r>
+              <a:rPr lang="en-US" dirty="0" smtClean="0"/>
+              <a:t>Getting data into R from QIIME</a:t>
+            </a:r>
+            <a:endParaRPr lang="en-US" dirty="0"/>
+          </a:p>
+        </p:txBody>
+      </p:sp>
+      <p:sp>
+        <p:nvSpPr>
+          <p:cNvPr id="3" name="Content Placeholder 2"/>
+          <p:cNvSpPr>
+            <a:spLocks noGrp="1"/>
+          </p:cNvSpPr>
+          <p:nvPr>
+            <p:ph idx="1"/>
+          </p:nvPr>
+        </p:nvSpPr>
+        <p:spPr/>
+        <p:txBody>
+          <a:bodyPr/>
+          <a:lstStyle/>
+          <a:p>
+            <a:pPr marL="0" indent="0">
+              <a:buNone/>
+            </a:pPr>
+            <a:r>
+              <a:rPr lang="en-US" dirty="0" err="1" smtClean="0"/>
+              <a:t>Biom</a:t>
+            </a:r>
+            <a:r>
+              <a:rPr lang="en-US" dirty="0" smtClean="0"/>
+              <a:t> to classic OTU table</a:t>
+            </a:r>
+          </a:p>
+          <a:p>
+            <a:pPr marL="0" indent="0">
+              <a:buNone/>
+            </a:pPr>
+            <a:r>
+              <a:rPr lang="en-US" dirty="0" smtClean="0"/>
+              <a:t>	-See end of QIIME 3 tutorial : </a:t>
+            </a:r>
+            <a:r>
+              <a:rPr lang="en-US" dirty="0" err="1" smtClean="0"/>
+              <a:t>biom</a:t>
+            </a:r>
+            <a:r>
+              <a:rPr lang="en-US" dirty="0" smtClean="0"/>
+              <a:t> convert</a:t>
+            </a:r>
+          </a:p>
+          <a:p>
+            <a:pPr marL="0" indent="0">
+              <a:buNone/>
+            </a:pPr>
+            <a:endParaRPr lang="en-US" dirty="0" smtClean="0"/>
+          </a:p>
+          <a:p>
+            <a:pPr marL="0" indent="0">
+              <a:buNone/>
+            </a:pPr>
+            <a:r>
+              <a:rPr lang="en-US" dirty="0" smtClean="0"/>
+              <a:t>For importing resemblance tables</a:t>
+            </a:r>
+          </a:p>
+          <a:p>
+            <a:pPr marL="0" indent="0">
+              <a:buNone/>
+            </a:pPr>
+            <a:r>
+              <a:rPr lang="en-US" dirty="0"/>
+              <a:t>	</a:t>
+            </a:r>
+            <a:r>
+              <a:rPr lang="en-US" dirty="0" smtClean="0"/>
+              <a:t>1.  </a:t>
+            </a:r>
+            <a:r>
+              <a:rPr lang="en-US" dirty="0" err="1" smtClean="0"/>
+              <a:t>read.table</a:t>
+            </a:r>
+            <a:r>
+              <a:rPr lang="en-US" dirty="0" smtClean="0"/>
+              <a:t>(header=TRUE, </a:t>
+            </a:r>
+            <a:r>
+              <a:rPr lang="en-US" dirty="0" err="1" smtClean="0"/>
+              <a:t>row.names</a:t>
+            </a:r>
+            <a:r>
+              <a:rPr lang="en-US" dirty="0" smtClean="0"/>
+              <a:t> =1; </a:t>
+            </a:r>
+            <a:r>
+              <a:rPr lang="en-US" dirty="0" err="1" smtClean="0"/>
+              <a:t>sep</a:t>
+            </a:r>
+            <a:r>
+              <a:rPr lang="en-US" dirty="0" smtClean="0"/>
+              <a:t> =“\t”)</a:t>
+            </a:r>
+          </a:p>
+          <a:p>
+            <a:pPr marL="0" indent="0">
+              <a:buNone/>
+            </a:pPr>
+            <a:r>
+              <a:rPr lang="en-US" dirty="0"/>
+              <a:t>	</a:t>
+            </a:r>
+            <a:r>
+              <a:rPr lang="en-US" dirty="0" smtClean="0"/>
+              <a:t>2.  </a:t>
+            </a:r>
+            <a:r>
+              <a:rPr lang="en-US" dirty="0" err="1" smtClean="0"/>
+              <a:t>as.dist</a:t>
+            </a:r>
+            <a:r>
+              <a:rPr lang="en-US" dirty="0" smtClean="0"/>
+              <a:t>()</a:t>
+            </a:r>
+            <a:endParaRPr lang="en-US" dirty="0"/>
+          </a:p>
+        </p:txBody>
+      </p:sp>
+    </p:spTree>
+    <p:extLst>
+      <p:ext uri="{BB962C8B-B14F-4D97-AF65-F5344CB8AC3E}">
+        <p14:creationId xmlns:p14="http://schemas.microsoft.com/office/powerpoint/2010/main" val="2063883389"/>
+      </p:ext>
+    </p:extLst>
+  </p:cSld>
+  <p:clrMapOvr>
+    <a:masterClrMapping/>
+  </p:clrMapOvr>
+</p:sld>
+</file>
+
 <file path=ppt/slides/slide2.xml><?xml version="1.0" encoding="utf-8"?>
 <p:sld xmlns:a="http://schemas.openxmlformats.org/drawingml/2006/main" xmlns:r="http://schemas.openxmlformats.org/officeDocument/2006/relationships" xmlns:p="http://schemas.openxmlformats.org/presentationml/2006/main">
   <p:cSld>
@@ -11811,11 +11987,7 @@
           <a:p>
             <a:r>
               <a:rPr lang="en-US" dirty="0" smtClean="0"/>
-              <a:t>Questions </a:t>
-            </a:r>
-            <a:r>
-              <a:rPr lang="en-US" dirty="0" smtClean="0"/>
-              <a:t>about beta diversity?</a:t>
+              <a:t>Questions about beta diversity?</a:t>
             </a:r>
             <a:endParaRPr lang="en-US" dirty="0"/>
           </a:p>
@@ -18894,7 +19066,6 @@
               <a:rPr lang="en-US" dirty="0" smtClean="0"/>
               <a:t> </a:t>
             </a:r>
-            <a:endParaRPr lang="en-US" dirty="0" smtClean="0"/>
           </a:p>
           <a:p>
             <a:r>
@@ -18921,24 +19092,11 @@
               <a:rPr lang="en-US" dirty="0" smtClean="0"/>
               <a:t>clusters </a:t>
             </a:r>
-            <a:endParaRPr lang="en-US" dirty="0" smtClean="0"/>
           </a:p>
           <a:p>
             <a:r>
               <a:rPr lang="en-US" dirty="0" smtClean="0"/>
-              <a:t>Linking </a:t>
-            </a:r>
-            <a:r>
-              <a:rPr lang="en-US" dirty="0" smtClean="0"/>
-              <a:t>quantitative metadata </a:t>
-            </a:r>
-            <a:r>
-              <a:rPr lang="en-US" dirty="0" smtClean="0"/>
-              <a:t>data to community </a:t>
-            </a:r>
-            <a:r>
-              <a:rPr lang="en-US" dirty="0" smtClean="0"/>
-              <a:t>patterns</a:t>
+              <a:t>Linking quantitative metadata data to community patterns</a:t>
             </a:r>
             <a:endParaRPr lang="en-US" dirty="0"/>
           </a:p>
@@ -19290,15 +19448,7 @@
             </a:r>
             <a:r>
               <a:rPr lang="en-US" dirty="0" smtClean="0"/>
-              <a:t>= Are </a:t>
-            </a:r>
-            <a:r>
-              <a:rPr lang="en-US" dirty="0" smtClean="0"/>
-              <a:t>groups different</a:t>
-            </a:r>
-            <a:r>
-              <a:rPr lang="en-US" dirty="0" smtClean="0"/>
-              <a:t>?  (</a:t>
+              <a:t>= Are groups different?  (</a:t>
             </a:r>
             <a:r>
               <a:rPr lang="en-US" i="1" dirty="0" smtClean="0"/>
